--- a/Capstone Project/Presentation.pptx
+++ b/Capstone Project/Presentation.pptx
@@ -1186,6 +1186,275 @@
         </p:txBody>
       </p:sp>
     </p:spTree>
+  </p:cSld>
+  <p:clrMapOvr>
+    <a:masterClrMapping/>
+  </p:clrMapOvr>
+</p:notes>
+</file>
+
+<file path=ppt/notesSlides/notesSlide2.xml><?xml version="1.0" encoding="utf-8"?>
+<p:notes xmlns:a="http://schemas.openxmlformats.org/drawingml/2006/main" xmlns:r="http://schemas.openxmlformats.org/officeDocument/2006/relationships" xmlns:p="http://schemas.openxmlformats.org/presentationml/2006/main">
+  <p:cSld>
+    <p:spTree>
+      <p:nvGrpSpPr>
+        <p:cNvPr id="1" name=""/>
+        <p:cNvGrpSpPr/>
+        <p:nvPr/>
+      </p:nvGrpSpPr>
+      <p:grpSpPr>
+        <a:xfrm>
+          <a:off x="0" y="0"/>
+          <a:ext cx="0" cy="0"/>
+          <a:chOff x="0" y="0"/>
+          <a:chExt cx="0" cy="0"/>
+        </a:xfrm>
+      </p:grpSpPr>
+      <p:sp>
+        <p:nvSpPr>
+          <p:cNvPr id="2" name="Slide Image Placeholder 1"/>
+          <p:cNvSpPr>
+            <a:spLocks noGrp="1" noRot="1" noChangeAspect="1"/>
+          </p:cNvSpPr>
+          <p:nvPr>
+            <p:ph type="sldImg"/>
+          </p:nvPr>
+        </p:nvSpPr>
+        <p:spPr/>
+      </p:sp>
+      <p:sp>
+        <p:nvSpPr>
+          <p:cNvPr id="3" name="Notes Placeholder 2"/>
+          <p:cNvSpPr>
+            <a:spLocks noGrp="1"/>
+          </p:cNvSpPr>
+          <p:nvPr>
+            <p:ph type="body" idx="1"/>
+          </p:nvPr>
+        </p:nvSpPr>
+        <p:spPr/>
+        <p:txBody>
+          <a:bodyPr/>
+          <a:lstStyle/>
+          <a:p>
+            <a:r>
+              <a:rPr lang="en-US" dirty="0" smtClean="0"/>
+              <a:t>There are two major client groups. First, the city of San Jose who has made housing affordability a priority as the city continues to grow and city officials create urban planning policy. Local leaders have expressed their desire to introduce an implement policy to make housing more affordable for low and middle-income residents. Understanding the trend and where housing prices are headed will help politicians determine what policy may be needed or developed. The second group of clients would be low and median income individuals seeking to find affordable housing. This information can help them make an informed decision on when and if to purchase a home in the near future.</a:t>
+            </a:r>
+            <a:endParaRPr lang="en-US" dirty="0"/>
+          </a:p>
+        </p:txBody>
+      </p:sp>
+      <p:sp>
+        <p:nvSpPr>
+          <p:cNvPr id="4" name="Slide Number Placeholder 3"/>
+          <p:cNvSpPr>
+            <a:spLocks noGrp="1"/>
+          </p:cNvSpPr>
+          <p:nvPr>
+            <p:ph type="sldNum" sz="quarter" idx="10"/>
+          </p:nvPr>
+        </p:nvSpPr>
+        <p:spPr/>
+        <p:txBody>
+          <a:bodyPr/>
+          <a:lstStyle/>
+          <a:p>
+            <a:fld id="{2C51C1AF-2A30-AA48-A729-264A1FC7EEB5}" type="slidenum">
+              <a:rPr lang="en-US" smtClean="0"/>
+              <a:pPr/>
+              <a:t>2</a:t>
+            </a:fld>
+            <a:endParaRPr lang="en-US"/>
+          </a:p>
+        </p:txBody>
+      </p:sp>
+    </p:spTree>
+    <p:extLst>
+      <p:ext uri="{BB962C8B-B14F-4D97-AF65-F5344CB8AC3E}">
+        <p14:creationId xmlns:p14="http://schemas.microsoft.com/office/powerpoint/2010/main" val="828093390"/>
+      </p:ext>
+    </p:extLst>
+  </p:cSld>
+  <p:clrMapOvr>
+    <a:masterClrMapping/>
+  </p:clrMapOvr>
+</p:notes>
+</file>
+
+<file path=ppt/notesSlides/notesSlide3.xml><?xml version="1.0" encoding="utf-8"?>
+<p:notes xmlns:a="http://schemas.openxmlformats.org/drawingml/2006/main" xmlns:r="http://schemas.openxmlformats.org/officeDocument/2006/relationships" xmlns:p="http://schemas.openxmlformats.org/presentationml/2006/main">
+  <p:cSld>
+    <p:spTree>
+      <p:nvGrpSpPr>
+        <p:cNvPr id="1" name=""/>
+        <p:cNvGrpSpPr/>
+        <p:nvPr/>
+      </p:nvGrpSpPr>
+      <p:grpSpPr>
+        <a:xfrm>
+          <a:off x="0" y="0"/>
+          <a:ext cx="0" cy="0"/>
+          <a:chOff x="0" y="0"/>
+          <a:chExt cx="0" cy="0"/>
+        </a:xfrm>
+      </p:grpSpPr>
+      <p:sp>
+        <p:nvSpPr>
+          <p:cNvPr id="2" name="Slide Image Placeholder 1"/>
+          <p:cNvSpPr>
+            <a:spLocks noGrp="1" noRot="1" noChangeAspect="1"/>
+          </p:cNvSpPr>
+          <p:nvPr>
+            <p:ph type="sldImg"/>
+          </p:nvPr>
+        </p:nvSpPr>
+        <p:spPr/>
+      </p:sp>
+      <p:sp>
+        <p:nvSpPr>
+          <p:cNvPr id="3" name="Notes Placeholder 2"/>
+          <p:cNvSpPr>
+            <a:spLocks noGrp="1"/>
+          </p:cNvSpPr>
+          <p:nvPr>
+            <p:ph type="body" idx="1"/>
+          </p:nvPr>
+        </p:nvSpPr>
+        <p:spPr/>
+        <p:txBody>
+          <a:bodyPr/>
+          <a:lstStyle/>
+          <a:p>
+            <a:r>
+              <a:rPr lang="en-US" dirty="0" smtClean="0"/>
+              <a:t>Now that we've taken some time to do some analysis I'm going to look at three different models and determine from test data which one does the best job at predicting average home prices. To compare each model I'll use root-mean-square error (RMSE) results. RMSE measures the square root mean differences between the values our models predict and the actual values from the test data set. The model with the lowest RMSE corresponds to the model with the best predictive accuracy. To compare each model fairly we will use the test data set from the time-series model since we cannot use randomly selected test data for a time-series model. </a:t>
+            </a:r>
+          </a:p>
+          <a:p>
+            <a:endParaRPr lang="en-US" dirty="0"/>
+          </a:p>
+        </p:txBody>
+      </p:sp>
+      <p:sp>
+        <p:nvSpPr>
+          <p:cNvPr id="4" name="Slide Number Placeholder 3"/>
+          <p:cNvSpPr>
+            <a:spLocks noGrp="1"/>
+          </p:cNvSpPr>
+          <p:nvPr>
+            <p:ph type="sldNum" sz="quarter" idx="10"/>
+          </p:nvPr>
+        </p:nvSpPr>
+        <p:spPr/>
+        <p:txBody>
+          <a:bodyPr/>
+          <a:lstStyle/>
+          <a:p>
+            <a:fld id="{2C51C1AF-2A30-AA48-A729-264A1FC7EEB5}" type="slidenum">
+              <a:rPr lang="en-US" smtClean="0"/>
+              <a:pPr/>
+              <a:t>5</a:t>
+            </a:fld>
+            <a:endParaRPr lang="en-US"/>
+          </a:p>
+        </p:txBody>
+      </p:sp>
+    </p:spTree>
+    <p:extLst>
+      <p:ext uri="{BB962C8B-B14F-4D97-AF65-F5344CB8AC3E}">
+        <p14:creationId xmlns:p14="http://schemas.microsoft.com/office/powerpoint/2010/main" val="936764049"/>
+      </p:ext>
+    </p:extLst>
+  </p:cSld>
+  <p:clrMapOvr>
+    <a:masterClrMapping/>
+  </p:clrMapOvr>
+</p:notes>
+</file>
+
+<file path=ppt/notesSlides/notesSlide4.xml><?xml version="1.0" encoding="utf-8"?>
+<p:notes xmlns:a="http://schemas.openxmlformats.org/drawingml/2006/main" xmlns:r="http://schemas.openxmlformats.org/officeDocument/2006/relationships" xmlns:p="http://schemas.openxmlformats.org/presentationml/2006/main">
+  <p:cSld>
+    <p:spTree>
+      <p:nvGrpSpPr>
+        <p:cNvPr id="1" name=""/>
+        <p:cNvGrpSpPr/>
+        <p:nvPr/>
+      </p:nvGrpSpPr>
+      <p:grpSpPr>
+        <a:xfrm>
+          <a:off x="0" y="0"/>
+          <a:ext cx="0" cy="0"/>
+          <a:chOff x="0" y="0"/>
+          <a:chExt cx="0" cy="0"/>
+        </a:xfrm>
+      </p:grpSpPr>
+      <p:sp>
+        <p:nvSpPr>
+          <p:cNvPr id="2" name="Slide Image Placeholder 1"/>
+          <p:cNvSpPr>
+            <a:spLocks noGrp="1" noRot="1" noChangeAspect="1"/>
+          </p:cNvSpPr>
+          <p:nvPr>
+            <p:ph type="sldImg"/>
+          </p:nvPr>
+        </p:nvSpPr>
+        <p:spPr/>
+      </p:sp>
+      <p:sp>
+        <p:nvSpPr>
+          <p:cNvPr id="3" name="Notes Placeholder 2"/>
+          <p:cNvSpPr>
+            <a:spLocks noGrp="1"/>
+          </p:cNvSpPr>
+          <p:nvPr>
+            <p:ph type="body" idx="1"/>
+          </p:nvPr>
+        </p:nvSpPr>
+        <p:spPr/>
+        <p:txBody>
+          <a:bodyPr/>
+          <a:lstStyle/>
+          <a:p>
+            <a:r>
+              <a:rPr lang="en-US" dirty="0" smtClean="0"/>
+              <a:t>After analyzing the data set and working through building our models to predict average home prices for San Jose there are a few takeaways for our client groups. First, in the near term housing prices will continue to rise. For someone looking to buy a home it may be advantages to wait until prices fall if buying a home isn't a short term necessity. Secondly, when the time comes to purchase a new home it may be more beneficial to buy during the winter months when seasonal trends show prices to be the lowest. This could save buyers a substantial amount of money compared to purchasing a home during the summer months. Lastly, from a government policy perspective, it seems as though current initiatives to create affordable housing for more people aren't having a significant impact on average home prices. However, it is hard to say definitively since this data set is limited and more variables would need to be considered. Further analysis should be done by the city of San Jose to measure the impact of policy initiatives to verify they are working as intended. The subject of affordable housing will continue to be of interest in cities with limited space and growing populations. San Jose is at the heart of Silicon Valley where innovation and wealth creation thrive, making the area a very popular and expensive place to live. Affordable housing will continue to be an issue for the businesses and people who live in San Jose.</a:t>
+            </a:r>
+            <a:endParaRPr lang="en-US" dirty="0"/>
+          </a:p>
+        </p:txBody>
+      </p:sp>
+      <p:sp>
+        <p:nvSpPr>
+          <p:cNvPr id="4" name="Slide Number Placeholder 3"/>
+          <p:cNvSpPr>
+            <a:spLocks noGrp="1"/>
+          </p:cNvSpPr>
+          <p:nvPr>
+            <p:ph type="sldNum" sz="quarter" idx="10"/>
+          </p:nvPr>
+        </p:nvSpPr>
+        <p:spPr/>
+        <p:txBody>
+          <a:bodyPr/>
+          <a:lstStyle/>
+          <a:p>
+            <a:fld id="{2C51C1AF-2A30-AA48-A729-264A1FC7EEB5}" type="slidenum">
+              <a:rPr lang="en-US" smtClean="0"/>
+              <a:pPr/>
+              <a:t>9</a:t>
+            </a:fld>
+            <a:endParaRPr lang="en-US"/>
+          </a:p>
+        </p:txBody>
+      </p:sp>
+    </p:spTree>
+    <p:extLst>
+      <p:ext uri="{BB962C8B-B14F-4D97-AF65-F5344CB8AC3E}">
+        <p14:creationId xmlns:p14="http://schemas.microsoft.com/office/powerpoint/2010/main" val="881021142"/>
+      </p:ext>
+    </p:extLst>
   </p:cSld>
   <p:clrMapOvr>
     <a:masterClrMapping/>
@@ -13923,41 +14192,6 @@
       </p:grpSpPr>
       <p:sp>
         <p:nvSpPr>
-          <p:cNvPr id="27650" name="Rectangle 2"/>
-          <p:cNvSpPr>
-            <a:spLocks noGrp="1" noChangeArrowheads="1"/>
-          </p:cNvSpPr>
-          <p:nvPr>
-            <p:ph type="ctrTitle"/>
-          </p:nvPr>
-        </p:nvSpPr>
-        <p:spPr>
-          <a:xfrm>
-            <a:off x="381000" y="304800"/>
-            <a:ext cx="7183888" cy="1204306"/>
-          </a:xfrm>
-        </p:spPr>
-        <p:txBody>
-          <a:bodyPr/>
-          <a:lstStyle/>
-          <a:p>
-            <a:r>
-              <a:rPr lang="en-US" sz="3000" dirty="0" smtClean="0"/>
-              <a:t>Predicting SAN JOSE </a:t>
-            </a:r>
-            <a:br>
-              <a:rPr lang="en-US" sz="3000" dirty="0" smtClean="0"/>
-            </a:br>
-            <a:r>
-              <a:rPr lang="en-US" sz="3000" dirty="0" smtClean="0"/>
-              <a:t>HOME PRICES</a:t>
-            </a:r>
-            <a:endParaRPr lang="en-US" sz="3000" dirty="0"/>
-          </a:p>
-        </p:txBody>
-      </p:sp>
-      <p:sp>
-        <p:nvSpPr>
           <p:cNvPr id="27651" name="Rectangle 3"/>
           <p:cNvSpPr>
             <a:spLocks noGrp="1" noChangeArrowheads="1"/>
@@ -14000,6 +14234,82 @@
               <a:t>CAPSTONE PROJECT JUNE 2017</a:t>
             </a:r>
             <a:endParaRPr lang="en-US" sz="1200" dirty="0"/>
+          </a:p>
+        </p:txBody>
+      </p:sp>
+      <p:pic>
+        <p:nvPicPr>
+          <p:cNvPr id="2" name="Picture 1" descr="SVSJ.jpeg"/>
+          <p:cNvPicPr>
+            <a:picLocks noChangeAspect="1"/>
+          </p:cNvPicPr>
+          <p:nvPr/>
+        </p:nvPicPr>
+        <p:blipFill>
+          <a:blip r:embed="rId3">
+            <a:extLst>
+              <a:ext uri="{28A0092B-C50C-407E-A947-70E740481C1C}">
+                <a14:useLocalDpi xmlns:a14="http://schemas.microsoft.com/office/drawing/2010/main" val="0"/>
+              </a:ext>
+            </a:extLst>
+          </a:blip>
+          <a:stretch>
+            <a:fillRect/>
+          </a:stretch>
+        </p:blipFill>
+        <p:spPr>
+          <a:xfrm>
+            <a:off x="685800" y="1066800"/>
+            <a:ext cx="3016631" cy="1768888"/>
+          </a:xfrm>
+          <a:prstGeom prst="rect">
+            <a:avLst/>
+          </a:prstGeom>
+        </p:spPr>
+      </p:pic>
+      <p:sp>
+        <p:nvSpPr>
+          <p:cNvPr id="5" name="Title 1"/>
+          <p:cNvSpPr txBox="1">
+            <a:spLocks/>
+          </p:cNvSpPr>
+          <p:nvPr/>
+        </p:nvSpPr>
+        <p:spPr>
+          <a:xfrm>
+            <a:off x="152400" y="381000"/>
+            <a:ext cx="7520940" cy="548640"/>
+          </a:xfrm>
+          <a:prstGeom prst="rect">
+            <a:avLst/>
+          </a:prstGeom>
+        </p:spPr>
+        <p:txBody>
+          <a:bodyPr vert="horz" lIns="91440" tIns="45720" rIns="91440" bIns="9144" rtlCol="0" anchor="b">
+            <a:noAutofit/>
+          </a:bodyPr>
+          <a:lstStyle>
+            <a:lvl1pPr algn="l" defTabSz="914400" rtl="0" eaLnBrk="1" latinLnBrk="0" hangingPunct="1">
+              <a:spcBef>
+                <a:spcPct val="0"/>
+              </a:spcBef>
+              <a:buNone/>
+              <a:defRPr sz="3200" kern="1200" cap="all" baseline="0">
+                <a:solidFill>
+                  <a:schemeClr val="tx1"/>
+                </a:solidFill>
+                <a:latin typeface="+mj-lt"/>
+                <a:ea typeface="+mj-ea"/>
+                <a:cs typeface="+mj-cs"/>
+              </a:defRPr>
+            </a:lvl1pPr>
+          </a:lstStyle>
+          <a:p>
+            <a:r>
+              <a:rPr lang="en-US" dirty="0" smtClean="0"/>
+              <a:t>Predicting San Jose Home Prices</a:t>
+            </a:r>
+            <a:endParaRPr lang="en-US" dirty="0"/>
           </a:p>
         </p:txBody>
       </p:sp>
@@ -14169,7 +14479,7 @@
           <p:nvPr/>
         </p:nvPicPr>
         <p:blipFill>
-          <a:blip r:embed="rId2">
+          <a:blip r:embed="rId3">
             <a:extLst>
               <a:ext uri="{28A0092B-C50C-407E-A947-70E740481C1C}">
                 <a14:useLocalDpi xmlns:a14="http://schemas.microsoft.com/office/drawing/2010/main" val="0"/>
@@ -15120,7 +15430,6 @@
               <a:rPr lang="en-US" dirty="0" smtClean="0"/>
               <a:t>Linear Regression Model</a:t>
             </a:r>
-            <a:endParaRPr lang="en-US" dirty="0" smtClean="0"/>
           </a:p>
           <a:p>
             <a:pPr marL="285750" indent="-285750">
@@ -15138,7 +15447,6 @@
               <a:rPr lang="en-US" dirty="0" smtClean="0"/>
               <a:t>Line of best fit to predict future prices</a:t>
             </a:r>
-            <a:endParaRPr lang="en-US" dirty="0" smtClean="0"/>
           </a:p>
           <a:p>
             <a:pPr marL="285750" indent="-285750">
@@ -15301,7 +15609,6 @@
               <a:rPr lang="en-US" dirty="0" smtClean="0"/>
               <a:t>Tree Regression Model</a:t>
             </a:r>
-            <a:endParaRPr lang="en-US" dirty="0" smtClean="0"/>
           </a:p>
           <a:p>
             <a:pPr marL="285750" indent="-285750">
@@ -15319,7 +15626,6 @@
               <a:rPr lang="en-US" dirty="0" smtClean="0"/>
               <a:t>Decision trees </a:t>
             </a:r>
-            <a:endParaRPr lang="en-US" dirty="0" smtClean="0"/>
           </a:p>
           <a:p>
             <a:pPr marL="285750" indent="-285750">
@@ -15337,7 +15643,6 @@
               <a:rPr lang="en-US" dirty="0" smtClean="0"/>
               <a:t>Random data used to train and test the model predictions</a:t>
             </a:r>
-            <a:endParaRPr lang="en-US" dirty="0" smtClean="0"/>
           </a:p>
           <a:p>
             <a:pPr marL="285750" indent="-285750">
@@ -15485,7 +15790,7 @@
         <p:spPr>
           <a:xfrm>
             <a:off x="152400" y="1295400"/>
-            <a:ext cx="8305800" cy="4801315"/>
+            <a:ext cx="8305800" cy="5078314"/>
           </a:xfrm>
           <a:prstGeom prst="rect">
             <a:avLst/>
@@ -15555,12 +15860,13 @@
             </a:pPr>
             <a:r>
               <a:rPr lang="en-US" dirty="0" smtClean="0"/>
-              <a:t>Model can be used to determin</a:t>
+              <a:t>Model can be used to determine the effectiveness of new policies over </a:t>
             </a:r>
             <a:r>
               <a:rPr lang="en-US" dirty="0" smtClean="0"/>
-              <a:t>e the effectiveness of new policies over time</a:t>
-            </a:r>
+              <a:t>time by tracking and predicting home prices</a:t>
+            </a:r>
+            <a:endParaRPr lang="en-US" dirty="0" smtClean="0"/>
           </a:p>
           <a:p>
             <a:pPr marL="285750" indent="-285750">
@@ -15576,7 +15882,15 @@
             </a:pPr>
             <a:r>
               <a:rPr lang="en-US" dirty="0" smtClean="0"/>
-              <a:t>Gathering more relevant variables to for a more robust data set will help improve the accuracy of the model</a:t>
+              <a:t>Gathering more relevant </a:t>
+            </a:r>
+            <a:r>
+              <a:rPr lang="en-US" dirty="0" smtClean="0"/>
+              <a:t>variables </a:t>
+            </a:r>
+            <a:r>
+              <a:rPr lang="en-US" dirty="0" smtClean="0"/>
+              <a:t>for a more robust data set will help improve the accuracy of the model</a:t>
             </a:r>
           </a:p>
           <a:p>
